--- a/kubernetes/09_statefulset.pptx
+++ b/kubernetes/09_statefulset.pptx
@@ -16993,7 +16993,7 @@
         </p:nvSpPr>
         <p:spPr bwMode="gray">
           <a:xfrm>
-            <a:off x="803295" y="1813069"/>
+            <a:off x="803295" y="1575325"/>
             <a:ext cx="5833704" cy="517468"/>
           </a:xfrm>
           <a:prstGeom prst="rect">
@@ -17074,7 +17074,7 @@
         </p:nvSpPr>
         <p:spPr bwMode="gray">
           <a:xfrm>
-            <a:off x="803295" y="2496022"/>
+            <a:off x="803295" y="2258278"/>
             <a:ext cx="5833704" cy="517468"/>
           </a:xfrm>
           <a:prstGeom prst="rect">
@@ -17155,7 +17155,7 @@
         </p:nvSpPr>
         <p:spPr bwMode="gray">
           <a:xfrm>
-            <a:off x="803295" y="3178975"/>
+            <a:off x="803295" y="2941231"/>
             <a:ext cx="5833704" cy="517468"/>
           </a:xfrm>
           <a:prstGeom prst="rect">
@@ -17236,7 +17236,7 @@
         </p:nvSpPr>
         <p:spPr bwMode="gray">
           <a:xfrm>
-            <a:off x="803295" y="3861928"/>
+            <a:off x="803295" y="3624184"/>
             <a:ext cx="5833704" cy="2557159"/>
           </a:xfrm>
           <a:prstGeom prst="rect">
@@ -17317,7 +17317,7 @@
         </p:nvSpPr>
         <p:spPr bwMode="gray">
           <a:xfrm>
-            <a:off x="3261042" y="3194377"/>
+            <a:off x="3261042" y="2956633"/>
             <a:ext cx="2437044" cy="486666"/>
           </a:xfrm>
           <a:prstGeom prst="rect">
@@ -17401,7 +17401,7 @@
         </p:nvSpPr>
         <p:spPr bwMode="gray">
           <a:xfrm>
-            <a:off x="3261042" y="5212354"/>
+            <a:off x="3261042" y="4974610"/>
             <a:ext cx="3222054" cy="486666"/>
           </a:xfrm>
           <a:prstGeom prst="rect">
@@ -17485,7 +17485,7 @@
         </p:nvSpPr>
         <p:spPr bwMode="gray">
           <a:xfrm>
-            <a:off x="3261042" y="1828470"/>
+            <a:off x="3261042" y="1590726"/>
             <a:ext cx="2437044" cy="486666"/>
           </a:xfrm>
           <a:prstGeom prst="rect">
@@ -17564,7 +17564,7 @@
         </p:nvSpPr>
         <p:spPr bwMode="gray">
           <a:xfrm>
-            <a:off x="3261042" y="2511423"/>
+            <a:off x="3261042" y="2273679"/>
             <a:ext cx="2437044" cy="486666"/>
           </a:xfrm>
           <a:prstGeom prst="rect">
@@ -17631,95 +17631,6 @@
       </p:sp>
       <p:sp>
         <p:nvSpPr>
-          <p:cNvPr id="16" name="Speech Bubble: Rectangle 15">
-            <a:extLst>
-              <a:ext uri="{FF2B5EF4-FFF2-40B4-BE49-F238E27FC236}">
-                <a16:creationId xmlns:a16="http://schemas.microsoft.com/office/drawing/2014/main" id="{3794AE6E-EFD6-4684-A007-7AE8E51F0F66}"/>
-              </a:ext>
-            </a:extLst>
-          </p:cNvPr>
-          <p:cNvSpPr/>
-          <p:nvPr/>
-        </p:nvSpPr>
-        <p:spPr bwMode="gray">
-          <a:xfrm>
-            <a:off x="7014755" y="873332"/>
-            <a:ext cx="4101737" cy="624325"/>
-          </a:xfrm>
-          <a:prstGeom prst="wedgeRectCallout">
-            <a:avLst>
-              <a:gd name="adj1" fmla="val -78795"/>
-              <a:gd name="adj2" fmla="val 137032"/>
-            </a:avLst>
-          </a:prstGeom>
-          <a:ln>
-            <a:headEnd/>
-            <a:tailEnd/>
-          </a:ln>
-        </p:spPr>
-        <p:style>
-          <a:lnRef idx="2">
-            <a:schemeClr val="accent5"/>
-          </a:lnRef>
-          <a:fillRef idx="1">
-            <a:schemeClr val="lt1"/>
-          </a:fillRef>
-          <a:effectRef idx="0">
-            <a:schemeClr val="accent5"/>
-          </a:effectRef>
-          <a:fontRef idx="minor">
-            <a:schemeClr val="dk1"/>
-          </a:fontRef>
-        </p:style>
-        <p:txBody>
-          <a:bodyPr lIns="90000" tIns="72000" rIns="90000" bIns="72000" rtlCol="0" anchor="ctr"/>
-          <a:lstStyle/>
-          <a:p>
-            <a:pPr marR="0" algn="ctr" defTabSz="914400" eaLnBrk="1" fontAlgn="base" latinLnBrk="0" hangingPunct="1">
-              <a:lnSpc>
-                <a:spcPct val="100000"/>
-              </a:lnSpc>
-              <a:spcBef>
-                <a:spcPct val="50000"/>
-              </a:spcBef>
-              <a:spcAft>
-                <a:spcPct val="0"/>
-              </a:spcAft>
-              <a:buClr>
-                <a:srgbClr val="F0AB00"/>
-              </a:buClr>
-              <a:buSzPct val="80000"/>
-              <a:tabLst/>
-            </a:pPr>
-            <a:r>
-              <a:rPr lang="en-US" sz="1800" kern="0" noProof="0" dirty="0" err="1">
-                <a:ea typeface="Arial Unicode MS" pitchFamily="34" charset="-128"/>
-                <a:cs typeface="Arial Unicode MS" pitchFamily="34" charset="-128"/>
-              </a:rPr>
-              <a:t>api</a:t>
-            </a:r>
-            <a:r>
-              <a:rPr lang="en-US" sz="1800" kern="0" noProof="0" dirty="0">
-                <a:ea typeface="Arial Unicode MS" pitchFamily="34" charset="-128"/>
-                <a:cs typeface="Arial Unicode MS" pitchFamily="34" charset="-128"/>
-              </a:rPr>
-              <a:t> version is “apps/v1beta2” in a cluster with version &lt; 1.9</a:t>
-            </a:r>
-            <a:endParaRPr kumimoji="0" lang="en-US" sz="1800" b="0" i="0" u="none" strike="noStrike" kern="0" cap="none" spc="0" normalizeH="0" baseline="0" noProof="0" dirty="0">
-              <a:ln>
-                <a:noFill/>
-              </a:ln>
-              <a:effectLst/>
-              <a:uLnTx/>
-              <a:uFillTx/>
-              <a:ea typeface="Arial Unicode MS" pitchFamily="34" charset="-128"/>
-              <a:cs typeface="Arial Unicode MS" pitchFamily="34" charset="-128"/>
-            </a:endParaRPr>
-          </a:p>
-        </p:txBody>
-      </p:sp>
-      <p:sp>
-        <p:nvSpPr>
           <p:cNvPr id="18" name="Speech Bubble: Rectangle 17">
             <a:extLst>
               <a:ext uri="{FF2B5EF4-FFF2-40B4-BE49-F238E27FC236}">
@@ -17732,7 +17643,7 @@
         </p:nvSpPr>
         <p:spPr bwMode="gray">
           <a:xfrm>
-            <a:off x="7378428" y="1943873"/>
+            <a:off x="7378428" y="1706129"/>
             <a:ext cx="4101737" cy="469551"/>
           </a:xfrm>
           <a:prstGeom prst="wedgeRectCallout">
@@ -17820,7 +17731,7 @@
         </p:nvSpPr>
         <p:spPr bwMode="gray">
           <a:xfrm>
-            <a:off x="3261042" y="5823695"/>
+            <a:off x="3261042" y="5585951"/>
             <a:ext cx="3222054" cy="486666"/>
           </a:xfrm>
           <a:prstGeom prst="rect">
@@ -17904,7 +17815,7 @@
         </p:nvSpPr>
         <p:spPr bwMode="gray">
           <a:xfrm>
-            <a:off x="3261042" y="4601013"/>
+            <a:off x="3261042" y="4363269"/>
             <a:ext cx="3222054" cy="486666"/>
           </a:xfrm>
           <a:prstGeom prst="rect">
@@ -17989,7 +17900,7 @@
         </p:nvSpPr>
         <p:spPr bwMode="gray">
           <a:xfrm>
-            <a:off x="3261042" y="4006886"/>
+            <a:off x="3261042" y="3769142"/>
             <a:ext cx="3222054" cy="486666"/>
           </a:xfrm>
           <a:prstGeom prst="rect">
@@ -18074,7 +17985,7 @@
         </p:nvSpPr>
         <p:spPr bwMode="gray">
           <a:xfrm>
-            <a:off x="7466820" y="3150951"/>
+            <a:off x="7466820" y="2913207"/>
             <a:ext cx="4101737" cy="469551"/>
           </a:xfrm>
           <a:prstGeom prst="wedgeRectCallout">
@@ -18163,7 +18074,7 @@
         </p:nvSpPr>
         <p:spPr bwMode="gray">
           <a:xfrm>
-            <a:off x="7588740" y="4214615"/>
+            <a:off x="7588740" y="3976871"/>
             <a:ext cx="4101737" cy="677425"/>
           </a:xfrm>
           <a:prstGeom prst="wedgeRectCallout">
@@ -18252,7 +18163,7 @@
         </p:nvSpPr>
         <p:spPr bwMode="gray">
           <a:xfrm>
-            <a:off x="7588739" y="5207934"/>
+            <a:off x="7588739" y="4970190"/>
             <a:ext cx="4101737" cy="469551"/>
           </a:xfrm>
           <a:prstGeom prst="wedgeRectCallout">
@@ -18340,7 +18251,7 @@
         </p:nvSpPr>
         <p:spPr bwMode="gray">
           <a:xfrm>
-            <a:off x="7466819" y="5949536"/>
+            <a:off x="7466819" y="5711792"/>
             <a:ext cx="4101737" cy="679864"/>
           </a:xfrm>
           <a:prstGeom prst="wedgeRectCallout">

--- a/kubernetes/09_statefulset.pptx
+++ b/kubernetes/09_statefulset.pptx
@@ -14865,6 +14865,66 @@
           </a:stretch>
         </p:blipFill>
         <p:spPr/>
+      </p:pic>
+      <p:pic>
+        <p:nvPicPr>
+          <p:cNvPr id="4" name="Picture 3" descr="cid:image003.png@01D31CC6.A08B1C50">
+            <a:extLst>
+              <a:ext uri="{FF2B5EF4-FFF2-40B4-BE49-F238E27FC236}">
+                <a16:creationId xmlns:a16="http://schemas.microsoft.com/office/drawing/2014/main" id="{CE860390-F50F-48A8-AA1A-AE0217946FC1}"/>
+              </a:ext>
+            </a:extLst>
+          </p:cNvPr>
+          <p:cNvPicPr>
+            <a:picLocks noChangeAspect="1" noChangeArrowheads="1"/>
+          </p:cNvPicPr>
+          <p:nvPr/>
+        </p:nvPicPr>
+        <p:blipFill>
+          <a:blip r:embed="rId4">
+            <a:extLst>
+              <a:ext uri="{28A0092B-C50C-407E-A947-70E740481C1C}">
+                <a14:useLocalDpi xmlns:a14="http://schemas.microsoft.com/office/drawing/2010/main" val="0"/>
+              </a:ext>
+            </a:extLst>
+          </a:blip>
+          <a:srcRect/>
+          <a:stretch>
+            <a:fillRect/>
+          </a:stretch>
+        </p:blipFill>
+        <p:spPr bwMode="auto">
+          <a:xfrm>
+            <a:off x="10780713" y="5721975"/>
+            <a:ext cx="1414463" cy="1136025"/>
+          </a:xfrm>
+          <a:prstGeom prst="rect">
+            <a:avLst/>
+          </a:prstGeom>
+          <a:noFill/>
+          <a:ln>
+            <a:noFill/>
+          </a:ln>
+          <a:extLst>
+            <a:ext uri="{909E8E84-426E-40DD-AFC4-6F175D3DCCD1}">
+              <a14:hiddenFill xmlns:a14="http://schemas.microsoft.com/office/drawing/2010/main">
+                <a:solidFill>
+                  <a:srgbClr val="FFFFFF"/>
+                </a:solidFill>
+              </a14:hiddenFill>
+            </a:ext>
+            <a:ext uri="{91240B29-F687-4F45-9708-019B960494DF}">
+              <a14:hiddenLine xmlns:a14="http://schemas.microsoft.com/office/drawing/2010/main" w="9525">
+                <a:solidFill>
+                  <a:srgbClr val="000000"/>
+                </a:solidFill>
+                <a:miter lim="800000"/>
+                <a:headEnd/>
+                <a:tailEnd/>
+              </a14:hiddenLine>
+            </a:ext>
+          </a:extLst>
+        </p:spPr>
       </p:pic>
     </p:spTree>
     <p:extLst>
